--- a/Dudnyk_Epam.pptx
+++ b/Dudnyk_Epam.pptx
@@ -5,7 +5,7 @@
     <p:sldMasterId id="2147483648" r:id="rId1"/>
   </p:sldMasterIdLst>
   <p:notesMasterIdLst>
-    <p:notesMasterId r:id="rId16"/>
+    <p:notesMasterId r:id="rId18"/>
   </p:notesMasterIdLst>
   <p:sldIdLst>
     <p:sldId id="256" r:id="rId2"/>
@@ -22,6 +22,8 @@
     <p:sldId id="268" r:id="rId13"/>
     <p:sldId id="269" r:id="rId14"/>
     <p:sldId id="270" r:id="rId15"/>
+    <p:sldId id="271" r:id="rId16"/>
+    <p:sldId id="272" r:id="rId17"/>
   </p:sldIdLst>
   <p:sldSz cx="9144000" cy="6858000" type="screen4x3"/>
   <p:notesSz cx="6858000" cy="9144000"/>
@@ -205,7 +207,7 @@
           <a:p>
             <a:fld id="{0306B93C-6321-4F9B-901C-E49E1EFB9F51}" type="datetimeFigureOut">
               <a:rPr lang="ru-RU" smtClean="0"/>
-              <a:t>13.11.2019</a:t>
+              <a:t>04.12.2019</a:t>
             </a:fld>
             <a:endParaRPr lang="ru-RU"/>
           </a:p>
@@ -884,7 +886,7 @@
           <a:p>
             <a:fld id="{F890138C-A7DE-4B80-B226-9D4EF088B466}" type="datetime1">
               <a:rPr lang="ru-RU" smtClean="0"/>
-              <a:t>13.11.2019</a:t>
+              <a:t>04.12.2019</a:t>
             </a:fld>
             <a:endParaRPr lang="ru-RU"/>
           </a:p>
@@ -1054,7 +1056,7 @@
           <a:p>
             <a:fld id="{88BFC243-F1A4-4F29-B938-A9D428713753}" type="datetime1">
               <a:rPr lang="ru-RU" smtClean="0"/>
-              <a:t>13.11.2019</a:t>
+              <a:t>04.12.2019</a:t>
             </a:fld>
             <a:endParaRPr lang="ru-RU"/>
           </a:p>
@@ -1234,7 +1236,7 @@
           <a:p>
             <a:fld id="{82D91155-1A5F-4E31-B1A4-3D614E5B1B76}" type="datetime1">
               <a:rPr lang="ru-RU" smtClean="0"/>
-              <a:t>13.11.2019</a:t>
+              <a:t>04.12.2019</a:t>
             </a:fld>
             <a:endParaRPr lang="ru-RU"/>
           </a:p>
@@ -1404,7 +1406,7 @@
           <a:p>
             <a:fld id="{5CE05DC5-0D63-49B2-BCBA-6AC9D3C31684}" type="datetime1">
               <a:rPr lang="ru-RU" smtClean="0"/>
-              <a:t>13.11.2019</a:t>
+              <a:t>04.12.2019</a:t>
             </a:fld>
             <a:endParaRPr lang="ru-RU"/>
           </a:p>
@@ -1650,7 +1652,7 @@
           <a:p>
             <a:fld id="{DE0D38B3-E5AC-4D7D-8D26-FB8C85A4B5DA}" type="datetime1">
               <a:rPr lang="ru-RU" smtClean="0"/>
-              <a:t>13.11.2019</a:t>
+              <a:t>04.12.2019</a:t>
             </a:fld>
             <a:endParaRPr lang="ru-RU"/>
           </a:p>
@@ -1938,7 +1940,7 @@
           <a:p>
             <a:fld id="{C5DE0C9B-DA1E-45F6-8958-8623573D5933}" type="datetime1">
               <a:rPr lang="ru-RU" smtClean="0"/>
-              <a:t>13.11.2019</a:t>
+              <a:t>04.12.2019</a:t>
             </a:fld>
             <a:endParaRPr lang="ru-RU"/>
           </a:p>
@@ -2360,7 +2362,7 @@
           <a:p>
             <a:fld id="{EB82D22C-2E21-4C9D-9258-64E10B401AFD}" type="datetime1">
               <a:rPr lang="ru-RU" smtClean="0"/>
-              <a:t>13.11.2019</a:t>
+              <a:t>04.12.2019</a:t>
             </a:fld>
             <a:endParaRPr lang="ru-RU"/>
           </a:p>
@@ -2478,7 +2480,7 @@
           <a:p>
             <a:fld id="{0794D678-0F58-4076-A4A9-B468926CB238}" type="datetime1">
               <a:rPr lang="ru-RU" smtClean="0"/>
-              <a:t>13.11.2019</a:t>
+              <a:t>04.12.2019</a:t>
             </a:fld>
             <a:endParaRPr lang="ru-RU"/>
           </a:p>
@@ -2573,7 +2575,7 @@
           <a:p>
             <a:fld id="{BB37985B-3211-477D-8F7C-97AEA1A508DD}" type="datetime1">
               <a:rPr lang="ru-RU" smtClean="0"/>
-              <a:t>13.11.2019</a:t>
+              <a:t>04.12.2019</a:t>
             </a:fld>
             <a:endParaRPr lang="ru-RU"/>
           </a:p>
@@ -2850,7 +2852,7 @@
           <a:p>
             <a:fld id="{FE64DB92-7393-4F6E-86BE-05B697FF3580}" type="datetime1">
               <a:rPr lang="ru-RU" smtClean="0"/>
-              <a:t>13.11.2019</a:t>
+              <a:t>04.12.2019</a:t>
             </a:fld>
             <a:endParaRPr lang="ru-RU"/>
           </a:p>
@@ -3103,7 +3105,7 @@
           <a:p>
             <a:fld id="{CA13CDED-8BC5-49AB-9291-A05A8043AD3C}" type="datetime1">
               <a:rPr lang="ru-RU" smtClean="0"/>
-              <a:t>13.11.2019</a:t>
+              <a:t>04.12.2019</a:t>
             </a:fld>
             <a:endParaRPr lang="ru-RU"/>
           </a:p>
@@ -3316,7 +3318,7 @@
           <a:p>
             <a:fld id="{B6DC5A6A-52E4-4CC3-926A-317DF0C8AA05}" type="datetime1">
               <a:rPr lang="ru-RU" smtClean="0"/>
-              <a:t>13.11.2019</a:t>
+              <a:t>04.12.2019</a:t>
             </a:fld>
             <a:endParaRPr lang="ru-RU"/>
           </a:p>
@@ -5146,6 +5148,13 @@
   <p:clrMapOvr>
     <a:masterClrMapping/>
   </p:clrMapOvr>
+  <p:timing>
+    <p:tnLst>
+      <p:par>
+        <p:cTn id="1" dur="indefinite" restart="never" nodeType="tmRoot"/>
+      </p:par>
+    </p:tnLst>
+  </p:timing>
 </p:sld>
 </file>
 
@@ -5206,7 +5215,7 @@
         <p:spPr/>
         <p:txBody>
           <a:bodyPr>
-            <a:normAutofit fontScale="92500" lnSpcReduction="20000"/>
+            <a:normAutofit/>
           </a:bodyPr>
           <a:lstStyle/>
           <a:p>
@@ -5254,34 +5263,11 @@
             </a:r>
             <a:r>
               <a:rPr lang="en-US" dirty="0" smtClean="0"/>
-              <a:t> 2</a:t>
-            </a:r>
-            <a:endParaRPr lang="ru-RU" dirty="0" smtClean="0"/>
-          </a:p>
-          <a:p>
-            <a:pPr>
-              <a:buFontTx/>
-              <a:buChar char="-"/>
-            </a:pPr>
-            <a:r>
-              <a:rPr lang="ru-RU" dirty="0" smtClean="0"/>
-              <a:t>Установка </a:t>
-            </a:r>
-            <a:r>
-              <a:rPr lang="en-US" dirty="0" smtClean="0"/>
-              <a:t>Jenkins stable</a:t>
-            </a:r>
-            <a:r>
-              <a:rPr lang="ru-RU" dirty="0" smtClean="0"/>
-              <a:t> завершается ошибкой, с обсуждениями в </a:t>
-            </a:r>
-            <a:r>
-              <a:rPr lang="en-US" dirty="0" err="1" smtClean="0"/>
-              <a:t>github</a:t>
-            </a:r>
-            <a:r>
-              <a:rPr lang="ru-RU" dirty="0" smtClean="0"/>
-              <a:t>, но без решения проблемы</a:t>
+              <a:t> </a:t>
+            </a:r>
+            <a:r>
+              <a:rPr lang="en-US" dirty="0" smtClean="0"/>
+              <a:t>2</a:t>
             </a:r>
           </a:p>
           <a:p>
@@ -5289,33 +5275,273 @@
               <a:buNone/>
             </a:pPr>
             <a:r>
-              <a:rPr lang="en-US" dirty="0" smtClean="0"/>
-              <a:t>helm install stable/</a:t>
-            </a:r>
-            <a:r>
-              <a:rPr lang="en-US" dirty="0" err="1" smtClean="0"/>
-              <a:t>jenkins</a:t>
-            </a:r>
-            <a:endParaRPr lang="en-US" dirty="0" smtClean="0"/>
+              <a:rPr lang="en-US" dirty="0" err="1"/>
+              <a:t>kubectl</a:t>
+            </a:r>
+            <a:r>
+              <a:rPr lang="en-US" dirty="0"/>
+              <a:t> </a:t>
+            </a:r>
+            <a:r>
+              <a:rPr lang="en-US" dirty="0" smtClean="0"/>
+              <a:t>cluster-info:</a:t>
+            </a:r>
+            <a:endParaRPr lang="en-US" dirty="0"/>
           </a:p>
           <a:p>
             <a:pPr marL="0" indent="0">
               <a:buNone/>
             </a:pPr>
             <a:r>
-              <a:rPr lang="en-US" dirty="0" smtClean="0"/>
-              <a:t>Error: Get http://localhost:8080/api/v1/namespaces/kube-system/pods?labelSelecto                                                                                                                                                             r=app%3Dhelm%2Cname%3Dtiller: dial </a:t>
+              <a:rPr lang="en-US" dirty="0"/>
+              <a:t>Kubernetes master is running at https://192.168.99.100:8443</a:t>
+            </a:r>
+          </a:p>
+          <a:p>
+            <a:pPr marL="0" indent="0">
+              <a:buNone/>
+            </a:pPr>
+            <a:r>
+              <a:rPr lang="en-US" dirty="0" err="1"/>
+              <a:t>KubeDNS</a:t>
+            </a:r>
+            <a:r>
+              <a:rPr lang="en-US" dirty="0"/>
+              <a:t> is running at https://</a:t>
+            </a:r>
+            <a:r>
+              <a:rPr lang="en-US" dirty="0" smtClean="0"/>
+              <a:t>192.168.99.100:8443/api/v1/namespaces/kube-system/services/kube-dns:dns/proxy</a:t>
+            </a:r>
+            <a:endParaRPr lang="ru-RU" dirty="0" smtClean="0"/>
+          </a:p>
+        </p:txBody>
+      </p:sp>
+      <p:sp>
+        <p:nvSpPr>
+          <p:cNvPr id="4" name="Номер слайда 3"/>
+          <p:cNvSpPr>
+            <a:spLocks noGrp="1"/>
+          </p:cNvSpPr>
+          <p:nvPr>
+            <p:ph type="sldNum" sz="quarter" idx="12"/>
+          </p:nvPr>
+        </p:nvSpPr>
+        <p:spPr/>
+        <p:txBody>
+          <a:bodyPr/>
+          <a:lstStyle/>
+          <a:p>
+            <a:fld id="{F3198067-CD5A-4979-9C95-EC56522B6C30}" type="slidenum">
+              <a:rPr lang="ru-RU" smtClean="0"/>
+              <a:t>14</a:t>
+            </a:fld>
+            <a:endParaRPr lang="ru-RU"/>
+          </a:p>
+        </p:txBody>
+      </p:sp>
+    </p:spTree>
+    <p:extLst>
+      <p:ext uri="{BB962C8B-B14F-4D97-AF65-F5344CB8AC3E}">
+        <p14:creationId xmlns:p14="http://schemas.microsoft.com/office/powerpoint/2010/main" val="32409929"/>
+      </p:ext>
+    </p:extLst>
+  </p:cSld>
+  <p:clrMapOvr>
+    <a:masterClrMapping/>
+  </p:clrMapOvr>
+  <p:timing>
+    <p:tnLst>
+      <p:par>
+        <p:cTn id="1" dur="indefinite" restart="never" nodeType="tmRoot"/>
+      </p:par>
+    </p:tnLst>
+  </p:timing>
+</p:sld>
+</file>
+
+<file path=ppt/slides/slide15.xml><?xml version="1.0" encoding="utf-8"?>
+<p:sld xmlns:a="http://schemas.openxmlformats.org/drawingml/2006/main" xmlns:r="http://schemas.openxmlformats.org/officeDocument/2006/relationships" xmlns:p="http://schemas.openxmlformats.org/presentationml/2006/main">
+  <p:cSld>
+    <p:spTree>
+      <p:nvGrpSpPr>
+        <p:cNvPr id="1" name=""/>
+        <p:cNvGrpSpPr/>
+        <p:nvPr/>
+      </p:nvGrpSpPr>
+      <p:grpSpPr>
+        <a:xfrm>
+          <a:off x="0" y="0"/>
+          <a:ext cx="0" cy="0"/>
+          <a:chOff x="0" y="0"/>
+          <a:chExt cx="0" cy="0"/>
+        </a:xfrm>
+      </p:grpSpPr>
+      <p:sp>
+        <p:nvSpPr>
+          <p:cNvPr id="2" name="Заголовок 1"/>
+          <p:cNvSpPr>
+            <a:spLocks noGrp="1"/>
+          </p:cNvSpPr>
+          <p:nvPr>
+            <p:ph type="title"/>
+          </p:nvPr>
+        </p:nvSpPr>
+        <p:spPr/>
+        <p:txBody>
+          <a:bodyPr/>
+          <a:lstStyle/>
+          <a:p>
+            <a:r>
+              <a:rPr lang="ru-RU" dirty="0" smtClean="0"/>
+              <a:t>Установка </a:t>
+            </a:r>
+            <a:r>
+              <a:rPr lang="en-US" dirty="0" smtClean="0"/>
+              <a:t>Jenkins </a:t>
+            </a:r>
+            <a:r>
+              <a:rPr lang="ru-RU" dirty="0" smtClean="0"/>
+              <a:t>в</a:t>
+            </a:r>
+            <a:r>
+              <a:rPr lang="en-US" dirty="0" smtClean="0"/>
+              <a:t> Helm</a:t>
+            </a:r>
+            <a:endParaRPr lang="uk-UA" dirty="0"/>
+          </a:p>
+        </p:txBody>
+      </p:sp>
+      <p:sp>
+        <p:nvSpPr>
+          <p:cNvPr id="3" name="Объект 2"/>
+          <p:cNvSpPr>
+            <a:spLocks noGrp="1"/>
+          </p:cNvSpPr>
+          <p:nvPr>
+            <p:ph idx="1"/>
+          </p:nvPr>
+        </p:nvSpPr>
+        <p:spPr/>
+        <p:txBody>
+          <a:bodyPr/>
+          <a:lstStyle/>
+          <a:p>
+            <a:r>
+              <a:rPr lang="ru-RU" dirty="0" smtClean="0"/>
+              <a:t>Установка </a:t>
+            </a:r>
+            <a:r>
+              <a:rPr lang="en-US" dirty="0" smtClean="0"/>
+              <a:t>Jenkins</a:t>
+            </a:r>
+          </a:p>
+          <a:p>
+            <a:pPr marL="0" indent="0">
+              <a:buNone/>
+            </a:pPr>
+            <a:r>
+              <a:rPr lang="en-US" dirty="0" smtClean="0"/>
+              <a:t> </a:t>
+            </a:r>
+            <a:r>
+              <a:rPr lang="en-US" dirty="0"/>
+              <a:t>helm install </a:t>
+            </a:r>
+            <a:r>
+              <a:rPr lang="en-US" dirty="0" smtClean="0"/>
+              <a:t>stable/</a:t>
             </a:r>
             <a:r>
               <a:rPr lang="en-US" dirty="0" err="1" smtClean="0"/>
-              <a:t>tcp</a:t>
-            </a:r>
-            <a:r>
-              <a:rPr lang="en-US" dirty="0" smtClean="0"/>
-              <a:t> [::1]:8080: connect: connection refused</a:t>
+              <a:t>jenkins</a:t>
+            </a:r>
+            <a:endParaRPr lang="en-US" dirty="0" smtClean="0"/>
+          </a:p>
+          <a:p>
+            <a:r>
+              <a:rPr lang="ru-RU" dirty="0" smtClean="0"/>
+              <a:t>Получение пароля администратора</a:t>
+            </a:r>
+          </a:p>
+          <a:p>
+            <a:pPr marL="0" indent="0">
+              <a:buNone/>
+            </a:pPr>
+            <a:r>
+              <a:rPr lang="en-US" dirty="0" err="1" smtClean="0"/>
+              <a:t>printf</a:t>
+            </a:r>
+            <a:r>
+              <a:rPr lang="en-US" dirty="0" smtClean="0"/>
+              <a:t> </a:t>
+            </a:r>
+            <a:r>
+              <a:rPr lang="en-US" dirty="0"/>
+              <a:t>$(</a:t>
+            </a:r>
+            <a:r>
+              <a:rPr lang="en-US" dirty="0" err="1"/>
+              <a:t>kubectl</a:t>
+            </a:r>
+            <a:r>
+              <a:rPr lang="en-US" dirty="0"/>
+              <a:t> get secret --namespace default coiling-angelfish-</a:t>
+            </a:r>
+            <a:r>
+              <a:rPr lang="en-US" dirty="0" err="1"/>
+              <a:t>jenkins</a:t>
+            </a:r>
+            <a:r>
+              <a:rPr lang="en-US" dirty="0"/>
+              <a:t> -o </a:t>
+            </a:r>
+            <a:r>
+              <a:rPr lang="en-US" dirty="0" err="1"/>
+              <a:t>jsonpath</a:t>
+            </a:r>
+            <a:r>
+              <a:rPr lang="en-US" dirty="0"/>
+              <a:t>="{.</a:t>
+            </a:r>
+            <a:r>
+              <a:rPr lang="en-US" dirty="0" err="1"/>
+              <a:t>data.jenkins</a:t>
+            </a:r>
+            <a:r>
+              <a:rPr lang="en-US" dirty="0"/>
+              <a:t>-admin-password}" | base64 --decode);</a:t>
+            </a:r>
+            <a:r>
+              <a:rPr lang="en-US" dirty="0" smtClean="0"/>
+              <a:t>echo</a:t>
             </a:r>
             <a:endParaRPr lang="ru-RU" dirty="0" smtClean="0"/>
           </a:p>
+          <a:p>
+            <a:r>
+              <a:rPr lang="ru-RU" dirty="0" smtClean="0"/>
+              <a:t>Интерфейс </a:t>
+            </a:r>
+            <a:r>
+              <a:rPr lang="en-US" dirty="0" smtClean="0"/>
+              <a:t>Jenkins </a:t>
+            </a:r>
+            <a:r>
+              <a:rPr lang="ru-RU" dirty="0" smtClean="0"/>
+              <a:t>на </a:t>
+            </a:r>
+            <a:r>
+              <a:rPr lang="en-US" dirty="0" smtClean="0"/>
+              <a:t>localhost:8080</a:t>
+            </a:r>
+          </a:p>
+          <a:p>
+            <a:endParaRPr lang="en-US" dirty="0"/>
+          </a:p>
+          <a:p>
+            <a:endParaRPr lang="uk-UA" dirty="0"/>
+          </a:p>
         </p:txBody>
       </p:sp>
       <p:sp>
@@ -5335,7 +5561,179 @@
           <a:p>
             <a:fld id="{F3198067-CD5A-4979-9C95-EC56522B6C30}" type="slidenum">
               <a:rPr lang="ru-RU" smtClean="0"/>
-              <a:t>14</a:t>
+              <a:t>15</a:t>
+            </a:fld>
+            <a:endParaRPr lang="ru-RU"/>
+          </a:p>
+        </p:txBody>
+      </p:sp>
+    </p:spTree>
+    <p:extLst>
+      <p:ext uri="{BB962C8B-B14F-4D97-AF65-F5344CB8AC3E}">
+        <p14:creationId xmlns:p14="http://schemas.microsoft.com/office/powerpoint/2010/main" val="466472869"/>
+      </p:ext>
+    </p:extLst>
+  </p:cSld>
+  <p:clrMapOvr>
+    <a:masterClrMapping/>
+  </p:clrMapOvr>
+  <p:timing>
+    <p:tnLst>
+      <p:par>
+        <p:cTn id="1" dur="indefinite" restart="never" nodeType="tmRoot"/>
+      </p:par>
+    </p:tnLst>
+  </p:timing>
+</p:sld>
+</file>
+
+<file path=ppt/slides/slide16.xml><?xml version="1.0" encoding="utf-8"?>
+<p:sld xmlns:a="http://schemas.openxmlformats.org/drawingml/2006/main" xmlns:r="http://schemas.openxmlformats.org/officeDocument/2006/relationships" xmlns:p="http://schemas.openxmlformats.org/presentationml/2006/main">
+  <p:cSld>
+    <p:spTree>
+      <p:nvGrpSpPr>
+        <p:cNvPr id="1" name=""/>
+        <p:cNvGrpSpPr/>
+        <p:nvPr/>
+      </p:nvGrpSpPr>
+      <p:grpSpPr>
+        <a:xfrm>
+          <a:off x="0" y="0"/>
+          <a:ext cx="0" cy="0"/>
+          <a:chOff x="0" y="0"/>
+          <a:chExt cx="0" cy="0"/>
+        </a:xfrm>
+      </p:grpSpPr>
+      <p:sp>
+        <p:nvSpPr>
+          <p:cNvPr id="2" name="Заголовок 1"/>
+          <p:cNvSpPr>
+            <a:spLocks noGrp="1"/>
+          </p:cNvSpPr>
+          <p:nvPr>
+            <p:ph type="title"/>
+          </p:nvPr>
+        </p:nvSpPr>
+        <p:spPr/>
+        <p:txBody>
+          <a:bodyPr/>
+          <a:lstStyle/>
+          <a:p>
+            <a:r>
+              <a:rPr lang="ru-RU" dirty="0" smtClean="0"/>
+              <a:t>Настройка </a:t>
+            </a:r>
+            <a:r>
+              <a:rPr lang="en-US" dirty="0" smtClean="0"/>
+              <a:t>Jenkins</a:t>
+            </a:r>
+            <a:endParaRPr lang="uk-UA" dirty="0"/>
+          </a:p>
+        </p:txBody>
+      </p:sp>
+      <p:sp>
+        <p:nvSpPr>
+          <p:cNvPr id="3" name="Объект 2"/>
+          <p:cNvSpPr>
+            <a:spLocks noGrp="1"/>
+          </p:cNvSpPr>
+          <p:nvPr>
+            <p:ph idx="1"/>
+          </p:nvPr>
+        </p:nvSpPr>
+        <p:spPr/>
+        <p:txBody>
+          <a:bodyPr/>
+          <a:lstStyle/>
+          <a:p>
+            <a:r>
+              <a:rPr lang="ru-RU" dirty="0" smtClean="0"/>
+              <a:t>Добавление </a:t>
+            </a:r>
+            <a:r>
+              <a:rPr lang="uk-UA" dirty="0" err="1"/>
+              <a:t>токена</a:t>
+            </a:r>
+            <a:r>
+              <a:rPr lang="uk-UA" dirty="0"/>
+              <a:t> </a:t>
+            </a:r>
+            <a:r>
+              <a:rPr lang="en-US" dirty="0"/>
+              <a:t>GitHub </a:t>
+            </a:r>
+            <a:r>
+              <a:rPr lang="uk-UA" dirty="0"/>
+              <a:t>в </a:t>
+            </a:r>
+            <a:r>
+              <a:rPr lang="en-US" dirty="0" smtClean="0"/>
+              <a:t>Jenkins</a:t>
+            </a:r>
+            <a:endParaRPr lang="ru-RU" dirty="0" smtClean="0"/>
+          </a:p>
+          <a:p>
+            <a:r>
+              <a:rPr lang="ru-RU" dirty="0"/>
+              <a:t>Настройка доступа </a:t>
+            </a:r>
+            <a:r>
+              <a:rPr lang="ru-RU" dirty="0" err="1"/>
+              <a:t>Jenkins</a:t>
+            </a:r>
+            <a:r>
+              <a:rPr lang="ru-RU" dirty="0"/>
+              <a:t> к </a:t>
+            </a:r>
+            <a:r>
+              <a:rPr lang="ru-RU" dirty="0" err="1" smtClean="0"/>
+              <a:t>GitHub</a:t>
+            </a:r>
+            <a:endParaRPr lang="ru-RU" dirty="0" smtClean="0"/>
+          </a:p>
+          <a:p>
+            <a:r>
+              <a:rPr lang="ru-RU" dirty="0" smtClean="0"/>
+              <a:t>Создание </a:t>
+            </a:r>
+            <a:r>
+              <a:rPr lang="en-US" dirty="0" smtClean="0"/>
+              <a:t>pipeline</a:t>
+            </a:r>
+          </a:p>
+          <a:p>
+            <a:r>
+              <a:rPr lang="ru-RU" dirty="0" smtClean="0"/>
+              <a:t>Проверка тестовой сборки</a:t>
+            </a:r>
+            <a:endParaRPr lang="ru-RU" dirty="0"/>
+          </a:p>
+          <a:p>
+            <a:endParaRPr lang="en-US" dirty="0"/>
+          </a:p>
+          <a:p>
+            <a:endParaRPr lang="uk-UA" dirty="0"/>
+          </a:p>
+        </p:txBody>
+      </p:sp>
+      <p:sp>
+        <p:nvSpPr>
+          <p:cNvPr id="4" name="Номер слайда 3"/>
+          <p:cNvSpPr>
+            <a:spLocks noGrp="1"/>
+          </p:cNvSpPr>
+          <p:nvPr>
+            <p:ph type="sldNum" sz="quarter" idx="12"/>
+          </p:nvPr>
+        </p:nvSpPr>
+        <p:spPr/>
+        <p:txBody>
+          <a:bodyPr/>
+          <a:lstStyle/>
+          <a:p>
+            <a:fld id="{F3198067-CD5A-4979-9C95-EC56522B6C30}" type="slidenum">
+              <a:rPr lang="ru-RU" smtClean="0"/>
+              <a:t>16</a:t>
             </a:fld>
             <a:endParaRPr lang="ru-RU"/>
           </a:p>
@@ -5363,8 +5761,8 @@
         </p:blipFill>
         <p:spPr>
           <a:xfrm>
-            <a:off x="5868144" y="3402682"/>
-            <a:ext cx="2717849" cy="1059885"/>
+            <a:off x="2843808" y="4365104"/>
+            <a:ext cx="3384376" cy="1903712"/>
           </a:xfrm>
           <a:prstGeom prst="rect">
             <a:avLst/>
@@ -5374,13 +5772,20 @@
     </p:spTree>
     <p:extLst>
       <p:ext uri="{BB962C8B-B14F-4D97-AF65-F5344CB8AC3E}">
-        <p14:creationId xmlns:p14="http://schemas.microsoft.com/office/powerpoint/2010/main" val="32409929"/>
+        <p14:creationId xmlns:p14="http://schemas.microsoft.com/office/powerpoint/2010/main" val="517055872"/>
       </p:ext>
     </p:extLst>
   </p:cSld>
   <p:clrMapOvr>
     <a:masterClrMapping/>
   </p:clrMapOvr>
+  <p:timing>
+    <p:tnLst>
+      <p:par>
+        <p:cTn id="1" dur="indefinite" restart="never" nodeType="tmRoot"/>
+      </p:par>
+    </p:tnLst>
+  </p:timing>
 </p:sld>
 </file>
 
